--- a/ProyectoLenguaje/Tailwind Project.pptx
+++ b/ProyectoLenguaje/Tailwind Project.pptx
@@ -267,7 +267,7 @@
           <a:p>
             <a:fld id="{AC9A3181-947A-4D18-B7F1-071D86086E73}" type="datetimeFigureOut">
               <a:rPr lang="es-ES" smtClean="0"/>
-              <a:t>16/02/2023</a:t>
+              <a:t>17/02/2023</a:t>
             </a:fld>
             <a:endParaRPr lang="es-ES"/>
           </a:p>
@@ -465,7 +465,7 @@
           <a:p>
             <a:fld id="{AC9A3181-947A-4D18-B7F1-071D86086E73}" type="datetimeFigureOut">
               <a:rPr lang="es-ES" smtClean="0"/>
-              <a:t>16/02/2023</a:t>
+              <a:t>17/02/2023</a:t>
             </a:fld>
             <a:endParaRPr lang="es-ES"/>
           </a:p>
@@ -673,7 +673,7 @@
           <a:p>
             <a:fld id="{AC9A3181-947A-4D18-B7F1-071D86086E73}" type="datetimeFigureOut">
               <a:rPr lang="es-ES" smtClean="0"/>
-              <a:t>16/02/2023</a:t>
+              <a:t>17/02/2023</a:t>
             </a:fld>
             <a:endParaRPr lang="es-ES"/>
           </a:p>
@@ -871,7 +871,7 @@
           <a:p>
             <a:fld id="{AC9A3181-947A-4D18-B7F1-071D86086E73}" type="datetimeFigureOut">
               <a:rPr lang="es-ES" smtClean="0"/>
-              <a:t>16/02/2023</a:t>
+              <a:t>17/02/2023</a:t>
             </a:fld>
             <a:endParaRPr lang="es-ES"/>
           </a:p>
@@ -1146,7 +1146,7 @@
           <a:p>
             <a:fld id="{AC9A3181-947A-4D18-B7F1-071D86086E73}" type="datetimeFigureOut">
               <a:rPr lang="es-ES" smtClean="0"/>
-              <a:t>16/02/2023</a:t>
+              <a:t>17/02/2023</a:t>
             </a:fld>
             <a:endParaRPr lang="es-ES"/>
           </a:p>
@@ -1411,7 +1411,7 @@
           <a:p>
             <a:fld id="{AC9A3181-947A-4D18-B7F1-071D86086E73}" type="datetimeFigureOut">
               <a:rPr lang="es-ES" smtClean="0"/>
-              <a:t>16/02/2023</a:t>
+              <a:t>17/02/2023</a:t>
             </a:fld>
             <a:endParaRPr lang="es-ES"/>
           </a:p>
@@ -1823,7 +1823,7 @@
           <a:p>
             <a:fld id="{AC9A3181-947A-4D18-B7F1-071D86086E73}" type="datetimeFigureOut">
               <a:rPr lang="es-ES" smtClean="0"/>
-              <a:t>16/02/2023</a:t>
+              <a:t>17/02/2023</a:t>
             </a:fld>
             <a:endParaRPr lang="es-ES"/>
           </a:p>
@@ -1964,7 +1964,7 @@
           <a:p>
             <a:fld id="{AC9A3181-947A-4D18-B7F1-071D86086E73}" type="datetimeFigureOut">
               <a:rPr lang="es-ES" smtClean="0"/>
-              <a:t>16/02/2023</a:t>
+              <a:t>17/02/2023</a:t>
             </a:fld>
             <a:endParaRPr lang="es-ES"/>
           </a:p>
@@ -2077,7 +2077,7 @@
           <a:p>
             <a:fld id="{AC9A3181-947A-4D18-B7F1-071D86086E73}" type="datetimeFigureOut">
               <a:rPr lang="es-ES" smtClean="0"/>
-              <a:t>16/02/2023</a:t>
+              <a:t>17/02/2023</a:t>
             </a:fld>
             <a:endParaRPr lang="es-ES"/>
           </a:p>
@@ -2388,7 +2388,7 @@
           <a:p>
             <a:fld id="{AC9A3181-947A-4D18-B7F1-071D86086E73}" type="datetimeFigureOut">
               <a:rPr lang="es-ES" smtClean="0"/>
-              <a:t>16/02/2023</a:t>
+              <a:t>17/02/2023</a:t>
             </a:fld>
             <a:endParaRPr lang="es-ES"/>
           </a:p>
@@ -2676,7 +2676,7 @@
           <a:p>
             <a:fld id="{AC9A3181-947A-4D18-B7F1-071D86086E73}" type="datetimeFigureOut">
               <a:rPr lang="es-ES" smtClean="0"/>
-              <a:t>16/02/2023</a:t>
+              <a:t>17/02/2023</a:t>
             </a:fld>
             <a:endParaRPr lang="es-ES"/>
           </a:p>
@@ -2917,7 +2917,7 @@
           <a:p>
             <a:fld id="{AC9A3181-947A-4D18-B7F1-071D86086E73}" type="datetimeFigureOut">
               <a:rPr lang="es-ES" smtClean="0"/>
-              <a:t>16/02/2023</a:t>
+              <a:t>17/02/2023</a:t>
             </a:fld>
             <a:endParaRPr lang="es-ES"/>
           </a:p>
@@ -3545,41 +3545,42 @@
           </a:p>
         </p:txBody>
       </p:sp>
-      <p:sp>
-        <p:nvSpPr>
-          <p:cNvPr id="10" name="CuadroTexto 9">
-            <a:extLst>
-              <a:ext uri="{FF2B5EF4-FFF2-40B4-BE49-F238E27FC236}">
-                <a16:creationId xmlns:a16="http://schemas.microsoft.com/office/drawing/2014/main" id="{AF87765C-5A50-7906-8497-311D5EAF133E}"/>
-              </a:ext>
-            </a:extLst>
-          </p:cNvPr>
-          <p:cNvSpPr txBox="1"/>
+      <p:pic>
+        <p:nvPicPr>
+          <p:cNvPr id="9" name="Imagen 8">
+            <a:extLst>
+              <a:ext uri="{FF2B5EF4-FFF2-40B4-BE49-F238E27FC236}">
+                <a16:creationId xmlns:a16="http://schemas.microsoft.com/office/drawing/2014/main" id="{790F30F9-9586-709E-D3E6-E761F739E629}"/>
+              </a:ext>
+            </a:extLst>
+          </p:cNvPr>
+          <p:cNvPicPr>
+            <a:picLocks noChangeAspect="1"/>
+          </p:cNvPicPr>
           <p:nvPr/>
-        </p:nvSpPr>
+        </p:nvPicPr>
+        <p:blipFill>
+          <a:blip r:embed="rId3">
+            <a:extLst>
+              <a:ext uri="{28A0092B-C50C-407E-A947-70E740481C1C}">
+                <a14:useLocalDpi xmlns:a14="http://schemas.microsoft.com/office/drawing/2010/main" val="0"/>
+              </a:ext>
+            </a:extLst>
+          </a:blip>
+          <a:stretch>
+            <a:fillRect/>
+          </a:stretch>
+        </p:blipFill>
         <p:spPr>
           <a:xfrm>
-            <a:off x="4294208" y="1666754"/>
-            <a:ext cx="6805914" cy="369332"/>
+            <a:off x="1565147" y="2725345"/>
+            <a:ext cx="9061705" cy="1102507"/>
           </a:xfrm>
           <a:prstGeom prst="rect">
             <a:avLst/>
           </a:prstGeom>
-          <a:noFill/>
         </p:spPr>
-        <p:txBody>
-          <a:bodyPr wrap="square" rtlCol="0">
-            <a:spAutoFit/>
-          </a:bodyPr>
-          <a:lstStyle/>
-          <a:p>
-            <a:r>
-              <a:rPr lang="es-ES" dirty="0"/>
-              <a:t>portada</a:t>
-            </a:r>
-          </a:p>
-        </p:txBody>
-      </p:sp>
+      </p:pic>
     </p:spTree>
     <p:extLst>
       <p:ext uri="{BB962C8B-B14F-4D97-AF65-F5344CB8AC3E}">
@@ -4383,10 +4384,10 @@
       </p:sp>
       <p:sp>
         <p:nvSpPr>
-          <p:cNvPr id="2" name="CuadroTexto 1">
-            <a:extLst>
-              <a:ext uri="{FF2B5EF4-FFF2-40B4-BE49-F238E27FC236}">
-                <a16:creationId xmlns:a16="http://schemas.microsoft.com/office/drawing/2014/main" id="{A8E72849-E3F5-C438-F3E6-8BC85FAE0ED0}"/>
+          <p:cNvPr id="3" name="CuadroTexto 2">
+            <a:extLst>
+              <a:ext uri="{FF2B5EF4-FFF2-40B4-BE49-F238E27FC236}">
+                <a16:creationId xmlns:a16="http://schemas.microsoft.com/office/drawing/2014/main" id="{916E2B1F-54D7-CAEF-B848-2CF0C273C13B}"/>
               </a:ext>
             </a:extLst>
           </p:cNvPr>
@@ -4395,8 +4396,8 @@
         </p:nvSpPr>
         <p:spPr>
           <a:xfrm>
-            <a:off x="4294208" y="1666754"/>
-            <a:ext cx="6805914" cy="369332"/>
+            <a:off x="4413060" y="384810"/>
+            <a:ext cx="3365880" cy="830997"/>
           </a:xfrm>
           <a:prstGeom prst="rect">
             <a:avLst/>
@@ -4410,20 +4411,161 @@
           <a:lstStyle/>
           <a:p>
             <a:r>
-              <a:rPr lang="es-ES" dirty="0"/>
-              <a:t>Extensiones(</a:t>
-            </a:r>
-            <a:r>
-              <a:rPr lang="es-ES" dirty="0" err="1"/>
-              <a:t>Alvaro</a:t>
-            </a:r>
-            <a:r>
-              <a:rPr lang="es-ES" dirty="0"/>
-              <a:t>)</a:t>
-            </a:r>
-          </a:p>
-        </p:txBody>
-      </p:sp>
+              <a:rPr lang="es-ES" sz="4800" b="1" spc="300" dirty="0">
+                <a:latin typeface="Tw Cen MT Condensed Extra Bold" panose="020B0803020202020204" pitchFamily="34" charset="0"/>
+              </a:rPr>
+              <a:t>Extensiones</a:t>
+            </a:r>
+            <a:endParaRPr lang="es-ES" sz="3200" b="1" spc="300" dirty="0">
+              <a:latin typeface="Tw Cen MT Condensed Extra Bold" panose="020B0803020202020204" pitchFamily="34" charset="0"/>
+            </a:endParaRPr>
+          </a:p>
+        </p:txBody>
+      </p:sp>
+      <p:pic>
+        <p:nvPicPr>
+          <p:cNvPr id="11" name="Imagen 10">
+            <a:extLst>
+              <a:ext uri="{FF2B5EF4-FFF2-40B4-BE49-F238E27FC236}">
+                <a16:creationId xmlns:a16="http://schemas.microsoft.com/office/drawing/2014/main" id="{88DD8135-C38B-C2AD-3921-2EAF9A5DB927}"/>
+              </a:ext>
+            </a:extLst>
+          </p:cNvPr>
+          <p:cNvPicPr>
+            <a:picLocks noChangeAspect="1"/>
+          </p:cNvPicPr>
+          <p:nvPr/>
+        </p:nvPicPr>
+        <p:blipFill>
+          <a:blip r:embed="rId3">
+            <a:extLst>
+              <a:ext uri="{28A0092B-C50C-407E-A947-70E740481C1C}">
+                <a14:useLocalDpi xmlns:a14="http://schemas.microsoft.com/office/drawing/2010/main" val="0"/>
+              </a:ext>
+            </a:extLst>
+          </a:blip>
+          <a:stretch>
+            <a:fillRect/>
+          </a:stretch>
+        </p:blipFill>
+        <p:spPr>
+          <a:xfrm>
+            <a:off x="1284749" y="4200985"/>
+            <a:ext cx="3955123" cy="1714649"/>
+          </a:xfrm>
+          <a:prstGeom prst="rect">
+            <a:avLst/>
+          </a:prstGeom>
+        </p:spPr>
+      </p:pic>
+      <p:pic>
+        <p:nvPicPr>
+          <p:cNvPr id="13" name="Imagen 12">
+            <a:extLst>
+              <a:ext uri="{FF2B5EF4-FFF2-40B4-BE49-F238E27FC236}">
+                <a16:creationId xmlns:a16="http://schemas.microsoft.com/office/drawing/2014/main" id="{7D4C47FC-04D2-B8F6-03B0-67AD0B87FFF9}"/>
+              </a:ext>
+            </a:extLst>
+          </p:cNvPr>
+          <p:cNvPicPr>
+            <a:picLocks noChangeAspect="1"/>
+          </p:cNvPicPr>
+          <p:nvPr/>
+        </p:nvPicPr>
+        <p:blipFill>
+          <a:blip r:embed="rId4">
+            <a:extLst>
+              <a:ext uri="{28A0092B-C50C-407E-A947-70E740481C1C}">
+                <a14:useLocalDpi xmlns:a14="http://schemas.microsoft.com/office/drawing/2010/main" val="0"/>
+              </a:ext>
+            </a:extLst>
+          </a:blip>
+          <a:stretch>
+            <a:fillRect/>
+          </a:stretch>
+        </p:blipFill>
+        <p:spPr>
+          <a:xfrm>
+            <a:off x="6524622" y="4315295"/>
+            <a:ext cx="4023709" cy="1600339"/>
+          </a:xfrm>
+          <a:prstGeom prst="rect">
+            <a:avLst/>
+          </a:prstGeom>
+        </p:spPr>
+      </p:pic>
+      <p:pic>
+        <p:nvPicPr>
+          <p:cNvPr id="15" name="Imagen 14">
+            <a:extLst>
+              <a:ext uri="{FF2B5EF4-FFF2-40B4-BE49-F238E27FC236}">
+                <a16:creationId xmlns:a16="http://schemas.microsoft.com/office/drawing/2014/main" id="{7E21AB39-789E-3512-BCF2-1CDB8759FF03}"/>
+              </a:ext>
+            </a:extLst>
+          </p:cNvPr>
+          <p:cNvPicPr>
+            <a:picLocks noChangeAspect="1"/>
+          </p:cNvPicPr>
+          <p:nvPr/>
+        </p:nvPicPr>
+        <p:blipFill>
+          <a:blip r:embed="rId5">
+            <a:extLst>
+              <a:ext uri="{28A0092B-C50C-407E-A947-70E740481C1C}">
+                <a14:useLocalDpi xmlns:a14="http://schemas.microsoft.com/office/drawing/2010/main" val="0"/>
+              </a:ext>
+            </a:extLst>
+          </a:blip>
+          <a:stretch>
+            <a:fillRect/>
+          </a:stretch>
+        </p:blipFill>
+        <p:spPr>
+          <a:xfrm>
+            <a:off x="1416081" y="1670950"/>
+            <a:ext cx="3995830" cy="2183891"/>
+          </a:xfrm>
+          <a:prstGeom prst="rect">
+            <a:avLst/>
+          </a:prstGeom>
+        </p:spPr>
+      </p:pic>
+      <p:pic>
+        <p:nvPicPr>
+          <p:cNvPr id="17" name="Imagen 16">
+            <a:extLst>
+              <a:ext uri="{FF2B5EF4-FFF2-40B4-BE49-F238E27FC236}">
+                <a16:creationId xmlns:a16="http://schemas.microsoft.com/office/drawing/2014/main" id="{266ADA11-B14B-26A2-1A69-DBCA9538B555}"/>
+              </a:ext>
+            </a:extLst>
+          </p:cNvPr>
+          <p:cNvPicPr>
+            <a:picLocks noChangeAspect="1"/>
+          </p:cNvPicPr>
+          <p:nvPr/>
+        </p:nvPicPr>
+        <p:blipFill>
+          <a:blip r:embed="rId6">
+            <a:extLst>
+              <a:ext uri="{28A0092B-C50C-407E-A947-70E740481C1C}">
+                <a14:useLocalDpi xmlns:a14="http://schemas.microsoft.com/office/drawing/2010/main" val="0"/>
+              </a:ext>
+            </a:extLst>
+          </a:blip>
+          <a:stretch>
+            <a:fillRect/>
+          </a:stretch>
+        </p:blipFill>
+        <p:spPr>
+          <a:xfrm>
+            <a:off x="6512115" y="2017415"/>
+            <a:ext cx="4146559" cy="1156523"/>
+          </a:xfrm>
+          <a:prstGeom prst="rect">
+            <a:avLst/>
+          </a:prstGeom>
+        </p:spPr>
+      </p:pic>
     </p:spTree>
     <p:extLst>
       <p:ext uri="{BB962C8B-B14F-4D97-AF65-F5344CB8AC3E}">
@@ -4744,6 +4886,60 @@
           <a:chExt cx="0" cy="0"/>
         </a:xfrm>
       </p:grpSpPr>
+      <p:sp>
+        <p:nvSpPr>
+          <p:cNvPr id="2" name="CuadroTexto 1">
+            <a:extLst>
+              <a:ext uri="{FF2B5EF4-FFF2-40B4-BE49-F238E27FC236}">
+                <a16:creationId xmlns:a16="http://schemas.microsoft.com/office/drawing/2014/main" id="{00441E3A-91BB-F785-4D3F-3B19F25234F0}"/>
+              </a:ext>
+            </a:extLst>
+          </p:cNvPr>
+          <p:cNvSpPr txBox="1"/>
+          <p:nvPr/>
+        </p:nvSpPr>
+        <p:spPr>
+          <a:xfrm>
+            <a:off x="3887692" y="2028616"/>
+            <a:ext cx="4416616" cy="2800767"/>
+          </a:xfrm>
+          <a:prstGeom prst="rect">
+            <a:avLst/>
+          </a:prstGeom>
+          <a:noFill/>
+        </p:spPr>
+        <p:txBody>
+          <a:bodyPr wrap="square" rtlCol="0">
+            <a:spAutoFit/>
+            <a:scene3d>
+              <a:camera prst="orthographicFront"/>
+              <a:lightRig rig="threePt" dir="t"/>
+            </a:scene3d>
+            <a:sp3d extrusionH="57150">
+              <a:bevelT w="57150" h="38100" prst="hardEdge"/>
+            </a:sp3d>
+          </a:bodyPr>
+          <a:lstStyle/>
+          <a:p>
+            <a:pPr algn="ctr"/>
+            <a:r>
+              <a:rPr lang="es-ES" sz="8800" b="1" spc="300" dirty="0">
+                <a:solidFill>
+                  <a:schemeClr val="bg1"/>
+                </a:solidFill>
+                <a:latin typeface="Tw Cen MT Condensed Extra Bold" panose="020B0803020202020204" pitchFamily="34" charset="0"/>
+              </a:rPr>
+              <a:t>Nuestra Web</a:t>
+            </a:r>
+            <a:endParaRPr lang="es-ES" sz="6000" b="1" spc="300" dirty="0">
+              <a:solidFill>
+                <a:schemeClr val="bg1"/>
+              </a:solidFill>
+              <a:latin typeface="Tw Cen MT Condensed Extra Bold" panose="020B0803020202020204" pitchFamily="34" charset="0"/>
+            </a:endParaRPr>
+          </a:p>
+        </p:txBody>
+      </p:sp>
     </p:spTree>
     <p:extLst>
       <p:ext uri="{BB962C8B-B14F-4D97-AF65-F5344CB8AC3E}">
@@ -4788,6 +4984,42 @@
           <a:chExt cx="0" cy="0"/>
         </a:xfrm>
       </p:grpSpPr>
+      <p:pic>
+        <p:nvPicPr>
+          <p:cNvPr id="3" name="Imagen 2">
+            <a:extLst>
+              <a:ext uri="{FF2B5EF4-FFF2-40B4-BE49-F238E27FC236}">
+                <a16:creationId xmlns:a16="http://schemas.microsoft.com/office/drawing/2014/main" id="{EEFAC2EB-E05E-3687-897B-394C2C0669FA}"/>
+              </a:ext>
+            </a:extLst>
+          </p:cNvPr>
+          <p:cNvPicPr>
+            <a:picLocks noChangeAspect="1"/>
+          </p:cNvPicPr>
+          <p:nvPr/>
+        </p:nvPicPr>
+        <p:blipFill>
+          <a:blip r:embed="rId3">
+            <a:extLst>
+              <a:ext uri="{28A0092B-C50C-407E-A947-70E740481C1C}">
+                <a14:useLocalDpi xmlns:a14="http://schemas.microsoft.com/office/drawing/2010/main" val="0"/>
+              </a:ext>
+            </a:extLst>
+          </a:blip>
+          <a:stretch>
+            <a:fillRect/>
+          </a:stretch>
+        </p:blipFill>
+        <p:spPr>
+          <a:xfrm>
+            <a:off x="1866899" y="968573"/>
+            <a:ext cx="8048625" cy="4527352"/>
+          </a:xfrm>
+          <a:prstGeom prst="rect">
+            <a:avLst/>
+          </a:prstGeom>
+        </p:spPr>
+      </p:pic>
     </p:spTree>
     <p:extLst>
       <p:ext uri="{BB962C8B-B14F-4D97-AF65-F5344CB8AC3E}">
